--- a/Presentació projecte/GENERAL/DEOS-UD defense 1.pptx
+++ b/Presentació projecte/GENERAL/DEOS-UD defense 1.pptx
@@ -1,9 +1,12 @@
 
 <file path=ppt/presentation.xml><?xml version="1.0" encoding="utf-8"?>
-<p:presentation xmlns:a="http://schemas.openxmlformats.org/drawingml/2006/main" xmlns:r="http://schemas.openxmlformats.org/officeDocument/2006/relationships" xmlns:p="http://schemas.openxmlformats.org/presentationml/2006/main" saveSubsetFonts="1">
+<p:presentation xmlns:a="http://schemas.openxmlformats.org/drawingml/2006/main" xmlns:r="http://schemas.openxmlformats.org/officeDocument/2006/relationships" xmlns:p="http://schemas.openxmlformats.org/presentationml/2006/main" showSpecialPlsOnTitleSld="0" saveSubsetFonts="1">
   <p:sldMasterIdLst>
     <p:sldMasterId id="2147483648" r:id="rId1"/>
   </p:sldMasterIdLst>
+  <p:notesMasterIdLst>
+    <p:notesMasterId r:id="rId14"/>
+  </p:notesMasterIdLst>
   <p:sldIdLst>
     <p:sldId id="256" r:id="rId2"/>
     <p:sldId id="257" r:id="rId3"/>
@@ -115,7 +118,362 @@
       </a:defRPr>
     </a:lvl9pPr>
   </p:defaultTextStyle>
+  <p:extLst>
+    <p:ext uri="{EFAFB233-063F-42B5-8137-9DF3F51BA10A}">
+      <p15:sldGuideLst xmlns:p15="http://schemas.microsoft.com/office/powerpoint/2012/main"/>
+    </p:ext>
+  </p:extLst>
 </p:presentation>
+</file>
+
+<file path=ppt/notesMasters/notesMaster1.xml><?xml version="1.0" encoding="utf-8"?>
+<p:notesMaster xmlns:a="http://schemas.openxmlformats.org/drawingml/2006/main" xmlns:r="http://schemas.openxmlformats.org/officeDocument/2006/relationships" xmlns:p="http://schemas.openxmlformats.org/presentationml/2006/main">
+  <p:cSld>
+    <p:bg>
+      <p:bgRef idx="1001">
+        <a:schemeClr val="bg1"/>
+      </p:bgRef>
+    </p:bg>
+    <p:spTree>
+      <p:nvGrpSpPr>
+        <p:cNvPr id="1" name=""/>
+        <p:cNvGrpSpPr/>
+        <p:nvPr/>
+      </p:nvGrpSpPr>
+      <p:grpSpPr>
+        <a:xfrm>
+          <a:off x="0" y="0"/>
+          <a:ext cx="0" cy="0"/>
+          <a:chOff x="0" y="0"/>
+          <a:chExt cx="0" cy="0"/>
+        </a:xfrm>
+      </p:grpSpPr>
+      <p:sp>
+        <p:nvSpPr>
+          <p:cNvPr id="2" name="Marcador de encabezado 1"/>
+          <p:cNvSpPr>
+            <a:spLocks noGrp="1"/>
+          </p:cNvSpPr>
+          <p:nvPr>
+            <p:ph type="hdr" sz="quarter"/>
+          </p:nvPr>
+        </p:nvSpPr>
+        <p:spPr>
+          <a:xfrm>
+            <a:off x="0" y="0"/>
+            <a:ext cx="2971800" cy="458788"/>
+          </a:xfrm>
+          <a:prstGeom prst="rect">
+            <a:avLst/>
+          </a:prstGeom>
+        </p:spPr>
+        <p:txBody>
+          <a:bodyPr vert="horz" lIns="91440" tIns="45720" rIns="91440" bIns="45720" rtlCol="0"/>
+          <a:lstStyle>
+            <a:lvl1pPr algn="l">
+              <a:defRPr sz="1200"/>
+            </a:lvl1pPr>
+          </a:lstStyle>
+          <a:p>
+            <a:endParaRPr lang="en-GB"/>
+          </a:p>
+        </p:txBody>
+      </p:sp>
+      <p:sp>
+        <p:nvSpPr>
+          <p:cNvPr id="3" name="Marcador de fecha 2"/>
+          <p:cNvSpPr>
+            <a:spLocks noGrp="1"/>
+          </p:cNvSpPr>
+          <p:nvPr>
+            <p:ph type="dt" idx="1"/>
+          </p:nvPr>
+        </p:nvSpPr>
+        <p:spPr>
+          <a:xfrm>
+            <a:off x="3884613" y="0"/>
+            <a:ext cx="2971800" cy="458788"/>
+          </a:xfrm>
+          <a:prstGeom prst="rect">
+            <a:avLst/>
+          </a:prstGeom>
+        </p:spPr>
+        <p:txBody>
+          <a:bodyPr vert="horz" lIns="91440" tIns="45720" rIns="91440" bIns="45720" rtlCol="0"/>
+          <a:lstStyle>
+            <a:lvl1pPr algn="r">
+              <a:defRPr sz="1200"/>
+            </a:lvl1pPr>
+          </a:lstStyle>
+          <a:p>
+            <a:fld id="{AAE9B4ED-D26C-4D9F-A809-1288E869FD41}" type="datetimeFigureOut">
+              <a:rPr lang="en-GB" smtClean="0"/>
+              <a:t>02/06/2018</a:t>
+            </a:fld>
+            <a:endParaRPr lang="en-GB"/>
+          </a:p>
+        </p:txBody>
+      </p:sp>
+      <p:sp>
+        <p:nvSpPr>
+          <p:cNvPr id="4" name="Marcador de imagen de diapositiva 3"/>
+          <p:cNvSpPr>
+            <a:spLocks noGrp="1" noRot="1" noChangeAspect="1"/>
+          </p:cNvSpPr>
+          <p:nvPr>
+            <p:ph type="sldImg" idx="2"/>
+          </p:nvPr>
+        </p:nvSpPr>
+        <p:spPr>
+          <a:xfrm>
+            <a:off x="685800" y="1143000"/>
+            <a:ext cx="5486400" cy="3086100"/>
+          </a:xfrm>
+          <a:prstGeom prst="rect">
+            <a:avLst/>
+          </a:prstGeom>
+          <a:noFill/>
+          <a:ln w="12700">
+            <a:solidFill>
+              <a:prstClr val="black"/>
+            </a:solidFill>
+          </a:ln>
+        </p:spPr>
+        <p:txBody>
+          <a:bodyPr vert="horz" lIns="91440" tIns="45720" rIns="91440" bIns="45720" rtlCol="0" anchor="ctr"/>
+          <a:lstStyle/>
+          <a:p>
+            <a:endParaRPr lang="en-GB"/>
+          </a:p>
+        </p:txBody>
+      </p:sp>
+      <p:sp>
+        <p:nvSpPr>
+          <p:cNvPr id="5" name="Marcador de notas 4"/>
+          <p:cNvSpPr>
+            <a:spLocks noGrp="1"/>
+          </p:cNvSpPr>
+          <p:nvPr>
+            <p:ph type="body" sz="quarter" idx="3"/>
+          </p:nvPr>
+        </p:nvSpPr>
+        <p:spPr>
+          <a:xfrm>
+            <a:off x="685800" y="4400550"/>
+            <a:ext cx="5486400" cy="3600450"/>
+          </a:xfrm>
+          <a:prstGeom prst="rect">
+            <a:avLst/>
+          </a:prstGeom>
+        </p:spPr>
+        <p:txBody>
+          <a:bodyPr vert="horz" lIns="91440" tIns="45720" rIns="91440" bIns="45720" rtlCol="0"/>
+          <a:lstStyle/>
+          <a:p>
+            <a:pPr lvl="0"/>
+            <a:r>
+              <a:rPr lang="es-ES" smtClean="0"/>
+              <a:t>Editar el estilo de texto del patrón</a:t>
+            </a:r>
+          </a:p>
+          <a:p>
+            <a:pPr lvl="1"/>
+            <a:r>
+              <a:rPr lang="es-ES" smtClean="0"/>
+              <a:t>Segundo nivel</a:t>
+            </a:r>
+          </a:p>
+          <a:p>
+            <a:pPr lvl="2"/>
+            <a:r>
+              <a:rPr lang="es-ES" smtClean="0"/>
+              <a:t>Tercer nivel</a:t>
+            </a:r>
+          </a:p>
+          <a:p>
+            <a:pPr lvl="3"/>
+            <a:r>
+              <a:rPr lang="es-ES" smtClean="0"/>
+              <a:t>Cuarto nivel</a:t>
+            </a:r>
+          </a:p>
+          <a:p>
+            <a:pPr lvl="4"/>
+            <a:r>
+              <a:rPr lang="es-ES" smtClean="0"/>
+              <a:t>Quinto nivel</a:t>
+            </a:r>
+            <a:endParaRPr lang="en-GB"/>
+          </a:p>
+        </p:txBody>
+      </p:sp>
+      <p:sp>
+        <p:nvSpPr>
+          <p:cNvPr id="6" name="Marcador de pie de página 5"/>
+          <p:cNvSpPr>
+            <a:spLocks noGrp="1"/>
+          </p:cNvSpPr>
+          <p:nvPr>
+            <p:ph type="ftr" sz="quarter" idx="4"/>
+          </p:nvPr>
+        </p:nvSpPr>
+        <p:spPr>
+          <a:xfrm>
+            <a:off x="0" y="8685213"/>
+            <a:ext cx="2971800" cy="458787"/>
+          </a:xfrm>
+          <a:prstGeom prst="rect">
+            <a:avLst/>
+          </a:prstGeom>
+        </p:spPr>
+        <p:txBody>
+          <a:bodyPr vert="horz" lIns="91440" tIns="45720" rIns="91440" bIns="45720" rtlCol="0" anchor="b"/>
+          <a:lstStyle>
+            <a:lvl1pPr algn="l">
+              <a:defRPr sz="1200"/>
+            </a:lvl1pPr>
+          </a:lstStyle>
+          <a:p>
+            <a:endParaRPr lang="en-GB"/>
+          </a:p>
+        </p:txBody>
+      </p:sp>
+      <p:sp>
+        <p:nvSpPr>
+          <p:cNvPr id="7" name="Marcador de número de diapositiva 6"/>
+          <p:cNvSpPr>
+            <a:spLocks noGrp="1"/>
+          </p:cNvSpPr>
+          <p:nvPr>
+            <p:ph type="sldNum" sz="quarter" idx="5"/>
+          </p:nvPr>
+        </p:nvSpPr>
+        <p:spPr>
+          <a:xfrm>
+            <a:off x="3884613" y="8685213"/>
+            <a:ext cx="2971800" cy="458787"/>
+          </a:xfrm>
+          <a:prstGeom prst="rect">
+            <a:avLst/>
+          </a:prstGeom>
+        </p:spPr>
+        <p:txBody>
+          <a:bodyPr vert="horz" lIns="91440" tIns="45720" rIns="91440" bIns="45720" rtlCol="0" anchor="b"/>
+          <a:lstStyle>
+            <a:lvl1pPr algn="r">
+              <a:defRPr sz="1200"/>
+            </a:lvl1pPr>
+          </a:lstStyle>
+          <a:p>
+            <a:fld id="{D5E10892-D1A6-4053-9639-667421EACAE7}" type="slidenum">
+              <a:rPr lang="en-GB" smtClean="0"/>
+              <a:t>‹Nº›</a:t>
+            </a:fld>
+            <a:endParaRPr lang="en-GB"/>
+          </a:p>
+        </p:txBody>
+      </p:sp>
+    </p:spTree>
+    <p:extLst>
+      <p:ext uri="{BB962C8B-B14F-4D97-AF65-F5344CB8AC3E}">
+        <p14:creationId xmlns:p14="http://schemas.microsoft.com/office/powerpoint/2010/main" val="1624000057"/>
+      </p:ext>
+    </p:extLst>
+  </p:cSld>
+  <p:clrMap bg1="lt1" tx1="dk1" bg2="lt2" tx2="dk2" accent1="accent1" accent2="accent2" accent3="accent3" accent4="accent4" accent5="accent5" accent6="accent6" hlink="hlink" folHlink="folHlink"/>
+  <p:notesStyle>
+    <a:lvl1pPr marL="0" algn="l" defTabSz="914400" rtl="0" eaLnBrk="1" latinLnBrk="0" hangingPunct="1">
+      <a:defRPr sz="1200" kern="1200">
+        <a:solidFill>
+          <a:schemeClr val="tx1"/>
+        </a:solidFill>
+        <a:latin typeface="+mn-lt"/>
+        <a:ea typeface="+mn-ea"/>
+        <a:cs typeface="+mn-cs"/>
+      </a:defRPr>
+    </a:lvl1pPr>
+    <a:lvl2pPr marL="457200" algn="l" defTabSz="914400" rtl="0" eaLnBrk="1" latinLnBrk="0" hangingPunct="1">
+      <a:defRPr sz="1200" kern="1200">
+        <a:solidFill>
+          <a:schemeClr val="tx1"/>
+        </a:solidFill>
+        <a:latin typeface="+mn-lt"/>
+        <a:ea typeface="+mn-ea"/>
+        <a:cs typeface="+mn-cs"/>
+      </a:defRPr>
+    </a:lvl2pPr>
+    <a:lvl3pPr marL="914400" algn="l" defTabSz="914400" rtl="0" eaLnBrk="1" latinLnBrk="0" hangingPunct="1">
+      <a:defRPr sz="1200" kern="1200">
+        <a:solidFill>
+          <a:schemeClr val="tx1"/>
+        </a:solidFill>
+        <a:latin typeface="+mn-lt"/>
+        <a:ea typeface="+mn-ea"/>
+        <a:cs typeface="+mn-cs"/>
+      </a:defRPr>
+    </a:lvl3pPr>
+    <a:lvl4pPr marL="1371600" algn="l" defTabSz="914400" rtl="0" eaLnBrk="1" latinLnBrk="0" hangingPunct="1">
+      <a:defRPr sz="1200" kern="1200">
+        <a:solidFill>
+          <a:schemeClr val="tx1"/>
+        </a:solidFill>
+        <a:latin typeface="+mn-lt"/>
+        <a:ea typeface="+mn-ea"/>
+        <a:cs typeface="+mn-cs"/>
+      </a:defRPr>
+    </a:lvl4pPr>
+    <a:lvl5pPr marL="1828800" algn="l" defTabSz="914400" rtl="0" eaLnBrk="1" latinLnBrk="0" hangingPunct="1">
+      <a:defRPr sz="1200" kern="1200">
+        <a:solidFill>
+          <a:schemeClr val="tx1"/>
+        </a:solidFill>
+        <a:latin typeface="+mn-lt"/>
+        <a:ea typeface="+mn-ea"/>
+        <a:cs typeface="+mn-cs"/>
+      </a:defRPr>
+    </a:lvl5pPr>
+    <a:lvl6pPr marL="2286000" algn="l" defTabSz="914400" rtl="0" eaLnBrk="1" latinLnBrk="0" hangingPunct="1">
+      <a:defRPr sz="1200" kern="1200">
+        <a:solidFill>
+          <a:schemeClr val="tx1"/>
+        </a:solidFill>
+        <a:latin typeface="+mn-lt"/>
+        <a:ea typeface="+mn-ea"/>
+        <a:cs typeface="+mn-cs"/>
+      </a:defRPr>
+    </a:lvl6pPr>
+    <a:lvl7pPr marL="2743200" algn="l" defTabSz="914400" rtl="0" eaLnBrk="1" latinLnBrk="0" hangingPunct="1">
+      <a:defRPr sz="1200" kern="1200">
+        <a:solidFill>
+          <a:schemeClr val="tx1"/>
+        </a:solidFill>
+        <a:latin typeface="+mn-lt"/>
+        <a:ea typeface="+mn-ea"/>
+        <a:cs typeface="+mn-cs"/>
+      </a:defRPr>
+    </a:lvl7pPr>
+    <a:lvl8pPr marL="3200400" algn="l" defTabSz="914400" rtl="0" eaLnBrk="1" latinLnBrk="0" hangingPunct="1">
+      <a:defRPr sz="1200" kern="1200">
+        <a:solidFill>
+          <a:schemeClr val="tx1"/>
+        </a:solidFill>
+        <a:latin typeface="+mn-lt"/>
+        <a:ea typeface="+mn-ea"/>
+        <a:cs typeface="+mn-cs"/>
+      </a:defRPr>
+    </a:lvl8pPr>
+    <a:lvl9pPr marL="3657600" algn="l" defTabSz="914400" rtl="0" eaLnBrk="1" latinLnBrk="0" hangingPunct="1">
+      <a:defRPr sz="1200" kern="1200">
+        <a:solidFill>
+          <a:schemeClr val="tx1"/>
+        </a:solidFill>
+        <a:latin typeface="+mn-lt"/>
+        <a:ea typeface="+mn-ea"/>
+        <a:cs typeface="+mn-cs"/>
+      </a:defRPr>
+    </a:lvl9pPr>
+  </p:notesStyle>
+</p:notesMaster>
 </file>
 
 <file path=ppt/slideLayouts/slideLayout1.xml><?xml version="1.0" encoding="utf-8"?>
@@ -247,7 +605,7 @@
           <a:bodyPr/>
           <a:lstStyle/>
           <a:p>
-            <a:fld id="{1A2517D8-0157-4175-A64F-316589356E81}" type="datetimeFigureOut">
+            <a:fld id="{9BFCA966-CE6F-4FFC-99B8-034A6EDA98DD}" type="datetime1">
               <a:rPr lang="en-GB" smtClean="0"/>
               <a:t>02/06/2018</a:t>
             </a:fld>
@@ -417,7 +775,7 @@
           <a:bodyPr/>
           <a:lstStyle/>
           <a:p>
-            <a:fld id="{1A2517D8-0157-4175-A64F-316589356E81}" type="datetimeFigureOut">
+            <a:fld id="{251616CB-F383-4C8C-AE26-10E685E27B4B}" type="datetime1">
               <a:rPr lang="en-GB" smtClean="0"/>
               <a:t>02/06/2018</a:t>
             </a:fld>
@@ -597,7 +955,7 @@
           <a:bodyPr/>
           <a:lstStyle/>
           <a:p>
-            <a:fld id="{1A2517D8-0157-4175-A64F-316589356E81}" type="datetimeFigureOut">
+            <a:fld id="{74C459FD-B57D-496B-9B1F-5F02516A6695}" type="datetime1">
               <a:rPr lang="en-GB" smtClean="0"/>
               <a:t>02/06/2018</a:t>
             </a:fld>
@@ -661,7 +1019,7 @@
 </file>
 
 <file path=ppt/slideLayouts/slideLayout2.xml><?xml version="1.0" encoding="utf-8"?>
-<p:sldLayout xmlns:a="http://schemas.openxmlformats.org/drawingml/2006/main" xmlns:r="http://schemas.openxmlformats.org/officeDocument/2006/relationships" xmlns:p="http://schemas.openxmlformats.org/presentationml/2006/main" type="obj" preserve="1">
+<p:sldLayout xmlns:a="http://schemas.openxmlformats.org/drawingml/2006/main" xmlns:r="http://schemas.openxmlformats.org/officeDocument/2006/relationships" xmlns:p="http://schemas.openxmlformats.org/presentationml/2006/main" preserve="1" userDrawn="1">
   <p:cSld name="Título y objetos">
     <p:spTree>
       <p:nvGrpSpPr>
@@ -687,16 +1045,36 @@
             <p:ph type="title"/>
           </p:nvPr>
         </p:nvSpPr>
-        <p:spPr/>
-        <p:txBody>
-          <a:bodyPr/>
-          <a:lstStyle/>
-          <a:p>
-            <a:r>
-              <a:rPr lang="es-ES" smtClean="0"/>
-              <a:t>Haga clic para modificar el estilo de título del patrón</a:t>
-            </a:r>
-            <a:endParaRPr lang="en-GB"/>
+        <p:spPr>
+          <a:xfrm>
+            <a:off x="838199" y="365125"/>
+            <a:ext cx="9646921" cy="1325563"/>
+          </a:xfrm>
+          <a:solidFill>
+            <a:srgbClr val="00B8A9"/>
+          </a:solidFill>
+        </p:spPr>
+        <p:txBody>
+          <a:bodyPr/>
+          <a:lstStyle>
+            <a:lvl1pPr>
+              <a:defRPr>
+                <a:solidFill>
+                  <a:srgbClr val="1D313E"/>
+                </a:solidFill>
+              </a:defRPr>
+            </a:lvl1pPr>
+          </a:lstStyle>
+          <a:p>
+            <a:r>
+              <a:rPr lang="es-ES" dirty="0" smtClean="0"/>
+              <a:t>Haga </a:t>
+            </a:r>
+            <a:r>
+              <a:rPr lang="es-ES" dirty="0" smtClean="0"/>
+              <a:t>clic para modificar el estilo de título del patrón</a:t>
+            </a:r>
+            <a:endParaRPr lang="en-GB" dirty="0"/>
           </a:p>
         </p:txBody>
       </p:sp>
@@ -717,38 +1095,38 @@
           <a:p>
             <a:pPr lvl="0"/>
             <a:r>
-              <a:rPr lang="es-ES" smtClean="0"/>
+              <a:rPr lang="es-ES" dirty="0" smtClean="0"/>
               <a:t>Editar el estilo de texto del patrón</a:t>
             </a:r>
           </a:p>
           <a:p>
             <a:pPr lvl="1"/>
             <a:r>
-              <a:rPr lang="es-ES" smtClean="0"/>
+              <a:rPr lang="es-ES" dirty="0" smtClean="0"/>
               <a:t>Segundo nivel</a:t>
             </a:r>
           </a:p>
           <a:p>
             <a:pPr lvl="2"/>
             <a:r>
-              <a:rPr lang="es-ES" smtClean="0"/>
+              <a:rPr lang="es-ES" dirty="0" smtClean="0"/>
               <a:t>Tercer nivel</a:t>
             </a:r>
           </a:p>
           <a:p>
             <a:pPr lvl="3"/>
             <a:r>
-              <a:rPr lang="es-ES" smtClean="0"/>
+              <a:rPr lang="es-ES" dirty="0" smtClean="0"/>
               <a:t>Cuarto nivel</a:t>
             </a:r>
           </a:p>
           <a:p>
             <a:pPr lvl="4"/>
             <a:r>
-              <a:rPr lang="es-ES" smtClean="0"/>
+              <a:rPr lang="es-ES" dirty="0" smtClean="0"/>
               <a:t>Quinto nivel</a:t>
             </a:r>
-            <a:endParaRPr lang="en-GB"/>
+            <a:endParaRPr lang="en-GB" dirty="0"/>
           </a:p>
         </p:txBody>
       </p:sp>
@@ -767,7 +1145,7 @@
           <a:bodyPr/>
           <a:lstStyle/>
           <a:p>
-            <a:fld id="{1A2517D8-0157-4175-A64F-316589356E81}" type="datetimeFigureOut">
+            <a:fld id="{7D4285AA-C45D-406D-94AD-0A580E0723C6}" type="datetime1">
               <a:rPr lang="en-GB" smtClean="0"/>
               <a:t>02/06/2018</a:t>
             </a:fld>
@@ -804,7 +1182,12 @@
             <p:ph type="sldNum" sz="quarter" idx="12"/>
           </p:nvPr>
         </p:nvSpPr>
-        <p:spPr/>
+        <p:spPr>
+          <a:xfrm>
+            <a:off x="11055096" y="6356350"/>
+            <a:ext cx="545592" cy="365125"/>
+          </a:xfrm>
+        </p:spPr>
         <p:txBody>
           <a:bodyPr/>
           <a:lstStyle/>
@@ -813,6 +1196,253 @@
               <a:rPr lang="en-GB" smtClean="0"/>
               <a:t>‹Nº›</a:t>
             </a:fld>
+            <a:endParaRPr lang="en-GB" dirty="0"/>
+          </a:p>
+        </p:txBody>
+      </p:sp>
+      <p:sp>
+        <p:nvSpPr>
+          <p:cNvPr id="9" name="Rectángulo 8"/>
+          <p:cNvSpPr/>
+          <p:nvPr userDrawn="1"/>
+        </p:nvSpPr>
+        <p:spPr>
+          <a:xfrm>
+            <a:off x="1" y="365125"/>
+            <a:ext cx="838200" cy="1325563"/>
+          </a:xfrm>
+          <a:prstGeom prst="rect">
+            <a:avLst/>
+          </a:prstGeom>
+          <a:solidFill>
+            <a:srgbClr val="00B8A9"/>
+          </a:solidFill>
+          <a:ln>
+            <a:noFill/>
+          </a:ln>
+        </p:spPr>
+        <p:style>
+          <a:lnRef idx="2">
+            <a:schemeClr val="accent1">
+              <a:shade val="50000"/>
+            </a:schemeClr>
+          </a:lnRef>
+          <a:fillRef idx="1">
+            <a:schemeClr val="accent1"/>
+          </a:fillRef>
+          <a:effectRef idx="0">
+            <a:schemeClr val="accent1"/>
+          </a:effectRef>
+          <a:fontRef idx="minor">
+            <a:schemeClr val="lt1"/>
+          </a:fontRef>
+        </p:style>
+        <p:txBody>
+          <a:bodyPr rtlCol="0" anchor="ctr"/>
+          <a:lstStyle/>
+          <a:p>
+            <a:pPr algn="ctr"/>
+            <a:endParaRPr lang="en-GB"/>
+          </a:p>
+        </p:txBody>
+      </p:sp>
+      <p:sp>
+        <p:nvSpPr>
+          <p:cNvPr id="10" name="Rectángulo 9"/>
+          <p:cNvSpPr/>
+          <p:nvPr userDrawn="1"/>
+        </p:nvSpPr>
+        <p:spPr>
+          <a:xfrm>
+            <a:off x="11353800" y="365125"/>
+            <a:ext cx="838200" cy="1325563"/>
+          </a:xfrm>
+          <a:prstGeom prst="rect">
+            <a:avLst/>
+          </a:prstGeom>
+          <a:solidFill>
+            <a:srgbClr val="00B8A9"/>
+          </a:solidFill>
+          <a:ln>
+            <a:noFill/>
+          </a:ln>
+        </p:spPr>
+        <p:style>
+          <a:lnRef idx="2">
+            <a:schemeClr val="accent1">
+              <a:shade val="50000"/>
+            </a:schemeClr>
+          </a:lnRef>
+          <a:fillRef idx="1">
+            <a:schemeClr val="accent1"/>
+          </a:fillRef>
+          <a:effectRef idx="0">
+            <a:schemeClr val="accent1"/>
+          </a:effectRef>
+          <a:fontRef idx="minor">
+            <a:schemeClr val="lt1"/>
+          </a:fontRef>
+        </p:style>
+        <p:txBody>
+          <a:bodyPr rtlCol="0" anchor="ctr"/>
+          <a:lstStyle/>
+          <a:p>
+            <a:pPr algn="ctr"/>
+            <a:endParaRPr lang="en-GB"/>
+          </a:p>
+        </p:txBody>
+      </p:sp>
+      <p:pic>
+        <p:nvPicPr>
+          <p:cNvPr id="11" name="Imagen 10"/>
+          <p:cNvPicPr>
+            <a:picLocks noChangeAspect="1"/>
+          </p:cNvPicPr>
+          <p:nvPr userDrawn="1"/>
+        </p:nvPicPr>
+        <p:blipFill>
+          <a:blip r:embed="rId2" cstate="print">
+            <a:extLst>
+              <a:ext uri="{28A0092B-C50C-407E-A947-70E740481C1C}">
+                <a14:useLocalDpi xmlns:a14="http://schemas.microsoft.com/office/drawing/2010/main" val="0"/>
+              </a:ext>
+            </a:extLst>
+          </a:blip>
+          <a:stretch>
+            <a:fillRect/>
+          </a:stretch>
+        </p:blipFill>
+        <p:spPr>
+          <a:xfrm>
+            <a:off x="10485121" y="365125"/>
+            <a:ext cx="1415697" cy="1415697"/>
+          </a:xfrm>
+          <a:prstGeom prst="rect">
+            <a:avLst/>
+          </a:prstGeom>
+        </p:spPr>
+      </p:pic>
+      <p:sp>
+        <p:nvSpPr>
+          <p:cNvPr id="14" name="Marcador de número de diapositiva 5"/>
+          <p:cNvSpPr txBox="1">
+            <a:spLocks/>
+          </p:cNvSpPr>
+          <p:nvPr userDrawn="1"/>
+        </p:nvSpPr>
+        <p:spPr>
+          <a:xfrm>
+            <a:off x="11381232" y="6356349"/>
+            <a:ext cx="512064" cy="365125"/>
+          </a:xfrm>
+          <a:prstGeom prst="rect">
+            <a:avLst/>
+          </a:prstGeom>
+        </p:spPr>
+        <p:txBody>
+          <a:bodyPr vert="horz" lIns="91440" tIns="45720" rIns="91440" bIns="45720" rtlCol="0" anchor="ctr"/>
+          <a:lstStyle>
+            <a:defPPr>
+              <a:defRPr lang="en-US"/>
+            </a:defPPr>
+            <a:lvl1pPr marL="0" algn="r" defTabSz="914400" rtl="0" eaLnBrk="1" latinLnBrk="0" hangingPunct="1">
+              <a:defRPr sz="1200" kern="1200">
+                <a:solidFill>
+                  <a:schemeClr val="tx1">
+                    <a:tint val="75000"/>
+                  </a:schemeClr>
+                </a:solidFill>
+                <a:latin typeface="+mn-lt"/>
+                <a:ea typeface="+mn-ea"/>
+                <a:cs typeface="+mn-cs"/>
+              </a:defRPr>
+            </a:lvl1pPr>
+            <a:lvl2pPr marL="457200" algn="l" defTabSz="914400" rtl="0" eaLnBrk="1" latinLnBrk="0" hangingPunct="1">
+              <a:defRPr sz="1800" kern="1200">
+                <a:solidFill>
+                  <a:schemeClr val="tx1"/>
+                </a:solidFill>
+                <a:latin typeface="+mn-lt"/>
+                <a:ea typeface="+mn-ea"/>
+                <a:cs typeface="+mn-cs"/>
+              </a:defRPr>
+            </a:lvl2pPr>
+            <a:lvl3pPr marL="914400" algn="l" defTabSz="914400" rtl="0" eaLnBrk="1" latinLnBrk="0" hangingPunct="1">
+              <a:defRPr sz="1800" kern="1200">
+                <a:solidFill>
+                  <a:schemeClr val="tx1"/>
+                </a:solidFill>
+                <a:latin typeface="+mn-lt"/>
+                <a:ea typeface="+mn-ea"/>
+                <a:cs typeface="+mn-cs"/>
+              </a:defRPr>
+            </a:lvl3pPr>
+            <a:lvl4pPr marL="1371600" algn="l" defTabSz="914400" rtl="0" eaLnBrk="1" latinLnBrk="0" hangingPunct="1">
+              <a:defRPr sz="1800" kern="1200">
+                <a:solidFill>
+                  <a:schemeClr val="tx1"/>
+                </a:solidFill>
+                <a:latin typeface="+mn-lt"/>
+                <a:ea typeface="+mn-ea"/>
+                <a:cs typeface="+mn-cs"/>
+              </a:defRPr>
+            </a:lvl4pPr>
+            <a:lvl5pPr marL="1828800" algn="l" defTabSz="914400" rtl="0" eaLnBrk="1" latinLnBrk="0" hangingPunct="1">
+              <a:defRPr sz="1800" kern="1200">
+                <a:solidFill>
+                  <a:schemeClr val="tx1"/>
+                </a:solidFill>
+                <a:latin typeface="+mn-lt"/>
+                <a:ea typeface="+mn-ea"/>
+                <a:cs typeface="+mn-cs"/>
+              </a:defRPr>
+            </a:lvl5pPr>
+            <a:lvl6pPr marL="2286000" algn="l" defTabSz="914400" rtl="0" eaLnBrk="1" latinLnBrk="0" hangingPunct="1">
+              <a:defRPr sz="1800" kern="1200">
+                <a:solidFill>
+                  <a:schemeClr val="tx1"/>
+                </a:solidFill>
+                <a:latin typeface="+mn-lt"/>
+                <a:ea typeface="+mn-ea"/>
+                <a:cs typeface="+mn-cs"/>
+              </a:defRPr>
+            </a:lvl6pPr>
+            <a:lvl7pPr marL="2743200" algn="l" defTabSz="914400" rtl="0" eaLnBrk="1" latinLnBrk="0" hangingPunct="1">
+              <a:defRPr sz="1800" kern="1200">
+                <a:solidFill>
+                  <a:schemeClr val="tx1"/>
+                </a:solidFill>
+                <a:latin typeface="+mn-lt"/>
+                <a:ea typeface="+mn-ea"/>
+                <a:cs typeface="+mn-cs"/>
+              </a:defRPr>
+            </a:lvl7pPr>
+            <a:lvl8pPr marL="3200400" algn="l" defTabSz="914400" rtl="0" eaLnBrk="1" latinLnBrk="0" hangingPunct="1">
+              <a:defRPr sz="1800" kern="1200">
+                <a:solidFill>
+                  <a:schemeClr val="tx1"/>
+                </a:solidFill>
+                <a:latin typeface="+mn-lt"/>
+                <a:ea typeface="+mn-ea"/>
+                <a:cs typeface="+mn-cs"/>
+              </a:defRPr>
+            </a:lvl8pPr>
+            <a:lvl9pPr marL="3657600" algn="l" defTabSz="914400" rtl="0" eaLnBrk="1" latinLnBrk="0" hangingPunct="1">
+              <a:defRPr sz="1800" kern="1200">
+                <a:solidFill>
+                  <a:schemeClr val="tx1"/>
+                </a:solidFill>
+                <a:latin typeface="+mn-lt"/>
+                <a:ea typeface="+mn-ea"/>
+                <a:cs typeface="+mn-cs"/>
+              </a:defRPr>
+            </a:lvl9pPr>
+          </a:lstStyle>
+          <a:p>
+            <a:r>
+              <a:rPr lang="en-GB" dirty="0" smtClean="0"/>
+              <a:t>/ 12</a:t>
+            </a:r>
             <a:endParaRPr lang="en-GB" dirty="0"/>
           </a:p>
         </p:txBody>
@@ -1013,7 +1643,7 @@
           <a:bodyPr/>
           <a:lstStyle/>
           <a:p>
-            <a:fld id="{1A2517D8-0157-4175-A64F-316589356E81}" type="datetimeFigureOut">
+            <a:fld id="{D7AB7499-3005-482F-8949-29B166294825}" type="datetime1">
               <a:rPr lang="en-GB" smtClean="0"/>
               <a:t>02/06/2018</a:t>
             </a:fld>
@@ -1245,7 +1875,7 @@
           <a:bodyPr/>
           <a:lstStyle/>
           <a:p>
-            <a:fld id="{1A2517D8-0157-4175-A64F-316589356E81}" type="datetimeFigureOut">
+            <a:fld id="{BC10CDCC-9046-45AA-8CB1-F57D538F4EB4}" type="datetime1">
               <a:rPr lang="en-GB" smtClean="0"/>
               <a:t>02/06/2018</a:t>
             </a:fld>
@@ -1612,7 +2242,7 @@
           <a:bodyPr/>
           <a:lstStyle/>
           <a:p>
-            <a:fld id="{1A2517D8-0157-4175-A64F-316589356E81}" type="datetimeFigureOut">
+            <a:fld id="{DE1D8960-2BD9-4DEE-96C3-83A6B0E35686}" type="datetime1">
               <a:rPr lang="en-GB" smtClean="0"/>
               <a:t>02/06/2018</a:t>
             </a:fld>
@@ -1730,7 +2360,7 @@
           <a:bodyPr/>
           <a:lstStyle/>
           <a:p>
-            <a:fld id="{1A2517D8-0157-4175-A64F-316589356E81}" type="datetimeFigureOut">
+            <a:fld id="{8C8D4C58-6DAA-4E63-A100-6915820A3D8C}" type="datetime1">
               <a:rPr lang="en-GB" smtClean="0"/>
               <a:t>02/06/2018</a:t>
             </a:fld>
@@ -1825,7 +2455,7 @@
           <a:bodyPr/>
           <a:lstStyle/>
           <a:p>
-            <a:fld id="{1A2517D8-0157-4175-A64F-316589356E81}" type="datetimeFigureOut">
+            <a:fld id="{A7A3C7FB-49ED-4EDC-AA4F-CDD5327AFF4F}" type="datetime1">
               <a:rPr lang="en-GB" smtClean="0"/>
               <a:t>02/06/2018</a:t>
             </a:fld>
@@ -2102,7 +2732,7 @@
           <a:bodyPr/>
           <a:lstStyle/>
           <a:p>
-            <a:fld id="{1A2517D8-0157-4175-A64F-316589356E81}" type="datetimeFigureOut">
+            <a:fld id="{B321A827-4E3E-4BD2-BED2-FA742BFBD04C}" type="datetime1">
               <a:rPr lang="en-GB" smtClean="0"/>
               <a:t>02/06/2018</a:t>
             </a:fld>
@@ -2355,7 +2985,7 @@
           <a:bodyPr/>
           <a:lstStyle/>
           <a:p>
-            <a:fld id="{1A2517D8-0157-4175-A64F-316589356E81}" type="datetimeFigureOut">
+            <a:fld id="{81282A0A-1F1E-4126-9454-D5A9D3453D1A}" type="datetime1">
               <a:rPr lang="en-GB" smtClean="0"/>
               <a:t>02/06/2018</a:t>
             </a:fld>
@@ -2568,7 +3198,7 @@
             </a:lvl1pPr>
           </a:lstStyle>
           <a:p>
-            <a:fld id="{1A2517D8-0157-4175-A64F-316589356E81}" type="datetimeFigureOut">
+            <a:fld id="{2CCE506A-CBE0-4729-8632-124FDA0D4CE7}" type="datetime1">
               <a:rPr lang="en-GB" smtClean="0"/>
               <a:t>02/06/2018</a:t>
             </a:fld>
@@ -2675,6 +3305,7 @@
     <p:sldLayoutId id="2147483658" r:id="rId10"/>
     <p:sldLayoutId id="2147483659" r:id="rId11"/>
   </p:sldLayoutIdLst>
+  <p:hf hdr="0" ftr="0" dt="0"/>
   <p:txStyles>
     <p:titleStyle>
       <a:lvl1pPr algn="l" defTabSz="914400" rtl="0" eaLnBrk="1" latinLnBrk="0" hangingPunct="1">
@@ -2987,8 +3618,8 @@
         </p:nvSpPr>
         <p:spPr>
           <a:xfrm>
-            <a:off x="0" y="2702628"/>
-            <a:ext cx="12192000" cy="1446835"/>
+            <a:off x="191311" y="2702628"/>
+            <a:ext cx="12000689" cy="1446835"/>
           </a:xfrm>
           <a:solidFill>
             <a:srgbClr val="00B8A9"/>
@@ -3617,6 +4248,89 @@
           </a:prstGeom>
         </p:spPr>
       </p:pic>
+      <p:sp>
+        <p:nvSpPr>
+          <p:cNvPr id="4" name="Rectángulo 3"/>
+          <p:cNvSpPr/>
+          <p:nvPr/>
+        </p:nvSpPr>
+        <p:spPr>
+          <a:xfrm flipH="1">
+            <a:off x="9251685" y="5570238"/>
+            <a:ext cx="2996109" cy="646331"/>
+          </a:xfrm>
+          <a:prstGeom prst="rect">
+            <a:avLst/>
+          </a:prstGeom>
+        </p:spPr>
+        <p:txBody>
+          <a:bodyPr wrap="square">
+            <a:spAutoFit/>
+          </a:bodyPr>
+          <a:lstStyle/>
+          <a:p>
+            <a:r>
+              <a:rPr lang="fr-FR" b="1" dirty="0">
+                <a:latin typeface="LMSans10-Bold"/>
+              </a:rPr>
+              <a:t>National Contact Point: </a:t>
+            </a:r>
+            <a:r>
+              <a:rPr lang="fr-FR" dirty="0">
+                <a:latin typeface="LMSans10-Regular"/>
+              </a:rPr>
+              <a:t>Pérez Llera, Luís Manuel</a:t>
+            </a:r>
+            <a:endParaRPr lang="en-GB" dirty="0"/>
+          </a:p>
+        </p:txBody>
+      </p:sp>
+      <p:sp>
+        <p:nvSpPr>
+          <p:cNvPr id="6" name="Rectángulo 5"/>
+          <p:cNvSpPr/>
+          <p:nvPr/>
+        </p:nvSpPr>
+        <p:spPr>
+          <a:xfrm>
+            <a:off x="0" y="2702628"/>
+            <a:ext cx="191311" cy="1446835"/>
+          </a:xfrm>
+          <a:prstGeom prst="rect">
+            <a:avLst/>
+          </a:prstGeom>
+          <a:solidFill>
+            <a:srgbClr val="00B8A9"/>
+          </a:solidFill>
+          <a:ln>
+            <a:noFill/>
+          </a:ln>
+        </p:spPr>
+        <p:style>
+          <a:lnRef idx="2">
+            <a:schemeClr val="accent1">
+              <a:shade val="50000"/>
+            </a:schemeClr>
+          </a:lnRef>
+          <a:fillRef idx="1">
+            <a:schemeClr val="accent1"/>
+          </a:fillRef>
+          <a:effectRef idx="0">
+            <a:schemeClr val="accent1"/>
+          </a:effectRef>
+          <a:fontRef idx="minor">
+            <a:schemeClr val="lt1"/>
+          </a:fontRef>
+        </p:style>
+        <p:txBody>
+          <a:bodyPr rtlCol="0" anchor="ctr"/>
+          <a:lstStyle/>
+          <a:p>
+            <a:pPr algn="ctr"/>
+            <a:endParaRPr lang="en-GB"/>
+          </a:p>
+        </p:txBody>
+      </p:sp>
     </p:spTree>
     <p:extLst>
       <p:ext uri="{BB962C8B-B14F-4D97-AF65-F5344CB8AC3E}">
@@ -3708,6 +4422,29 @@
           </a:p>
         </p:txBody>
       </p:sp>
+      <p:sp>
+        <p:nvSpPr>
+          <p:cNvPr id="4" name="Marcador de número de diapositiva 3"/>
+          <p:cNvSpPr>
+            <a:spLocks noGrp="1"/>
+          </p:cNvSpPr>
+          <p:nvPr>
+            <p:ph type="sldNum" sz="quarter" idx="12"/>
+          </p:nvPr>
+        </p:nvSpPr>
+        <p:spPr/>
+        <p:txBody>
+          <a:bodyPr/>
+          <a:lstStyle/>
+          <a:p>
+            <a:fld id="{DF12210C-BA06-44B1-AAF1-AB46D6EE0EE9}" type="slidenum">
+              <a:rPr lang="en-GB" smtClean="0"/>
+              <a:t>10</a:t>
+            </a:fld>
+            <a:endParaRPr lang="en-GB" dirty="0"/>
+          </a:p>
+        </p:txBody>
+      </p:sp>
     </p:spTree>
     <p:extLst>
       <p:ext uri="{BB962C8B-B14F-4D97-AF65-F5344CB8AC3E}">
@@ -3799,6 +4536,29 @@
           </a:p>
         </p:txBody>
       </p:sp>
+      <p:sp>
+        <p:nvSpPr>
+          <p:cNvPr id="4" name="Marcador de número de diapositiva 3"/>
+          <p:cNvSpPr>
+            <a:spLocks noGrp="1"/>
+          </p:cNvSpPr>
+          <p:nvPr>
+            <p:ph type="sldNum" sz="quarter" idx="12"/>
+          </p:nvPr>
+        </p:nvSpPr>
+        <p:spPr/>
+        <p:txBody>
+          <a:bodyPr/>
+          <a:lstStyle/>
+          <a:p>
+            <a:fld id="{DF12210C-BA06-44B1-AAF1-AB46D6EE0EE9}" type="slidenum">
+              <a:rPr lang="en-GB" smtClean="0"/>
+              <a:t>11</a:t>
+            </a:fld>
+            <a:endParaRPr lang="en-GB" dirty="0"/>
+          </a:p>
+        </p:txBody>
+      </p:sp>
     </p:spTree>
     <p:extLst>
       <p:ext uri="{BB962C8B-B14F-4D97-AF65-F5344CB8AC3E}">
@@ -3890,6 +4650,29 @@
           </a:p>
         </p:txBody>
       </p:sp>
+      <p:sp>
+        <p:nvSpPr>
+          <p:cNvPr id="4" name="Marcador de número de diapositiva 3"/>
+          <p:cNvSpPr>
+            <a:spLocks noGrp="1"/>
+          </p:cNvSpPr>
+          <p:nvPr>
+            <p:ph type="sldNum" sz="quarter" idx="12"/>
+          </p:nvPr>
+        </p:nvSpPr>
+        <p:spPr/>
+        <p:txBody>
+          <a:bodyPr/>
+          <a:lstStyle/>
+          <a:p>
+            <a:fld id="{DF12210C-BA06-44B1-AAF1-AB46D6EE0EE9}" type="slidenum">
+              <a:rPr lang="en-GB" smtClean="0"/>
+              <a:t>12</a:t>
+            </a:fld>
+            <a:endParaRPr lang="en-GB" dirty="0"/>
+          </a:p>
+        </p:txBody>
+      </p:sp>
     </p:spTree>
     <p:extLst>
       <p:ext uri="{BB962C8B-B14F-4D97-AF65-F5344CB8AC3E}">
@@ -3944,15 +4727,19 @@
           <a:p>
             <a:r>
               <a:rPr lang="en-GB" dirty="0" smtClean="0"/>
-              <a:t>Elevator pitch </a:t>
-            </a:r>
-            <a:endParaRPr lang="en-GB" dirty="0"/>
-          </a:p>
-        </p:txBody>
-      </p:sp>
-      <p:sp>
-        <p:nvSpPr>
-          <p:cNvPr id="3" name="Marcador de contenido 2"/>
+              <a:t>Elevator </a:t>
+            </a:r>
+            <a:r>
+              <a:rPr lang="en-GB" dirty="0" smtClean="0"/>
+              <a:t>pitch </a:t>
+            </a:r>
+            <a:endParaRPr lang="en-GB" dirty="0"/>
+          </a:p>
+        </p:txBody>
+      </p:sp>
+      <p:sp>
+        <p:nvSpPr>
+          <p:cNvPr id="6" name="Marcador de contenido 5"/>
           <p:cNvSpPr>
             <a:spLocks noGrp="1"/>
           </p:cNvSpPr>
@@ -3966,6 +4753,52 @@
           <a:lstStyle/>
           <a:p>
             <a:endParaRPr lang="en-GB" dirty="0"/>
+          </a:p>
+        </p:txBody>
+      </p:sp>
+      <p:sp>
+        <p:nvSpPr>
+          <p:cNvPr id="5" name="Rectángulo 4"/>
+          <p:cNvSpPr/>
+          <p:nvPr/>
+        </p:nvSpPr>
+        <p:spPr>
+          <a:xfrm>
+            <a:off x="11111696" y="6356350"/>
+            <a:ext cx="242104" cy="365125"/>
+          </a:xfrm>
+          <a:prstGeom prst="rect">
+            <a:avLst/>
+          </a:prstGeom>
+          <a:solidFill>
+            <a:schemeClr val="bg1"/>
+          </a:solidFill>
+          <a:ln>
+            <a:noFill/>
+          </a:ln>
+        </p:spPr>
+        <p:style>
+          <a:lnRef idx="2">
+            <a:schemeClr val="accent1">
+              <a:shade val="50000"/>
+            </a:schemeClr>
+          </a:lnRef>
+          <a:fillRef idx="1">
+            <a:schemeClr val="accent1"/>
+          </a:fillRef>
+          <a:effectRef idx="0">
+            <a:schemeClr val="accent1"/>
+          </a:effectRef>
+          <a:fontRef idx="minor">
+            <a:schemeClr val="lt1"/>
+          </a:fontRef>
+        </p:style>
+        <p:txBody>
+          <a:bodyPr rtlCol="0" anchor="ctr"/>
+          <a:lstStyle/>
+          <a:p>
+            <a:pPr algn="ctr"/>
+            <a:endParaRPr lang="en-GB"/>
           </a:p>
         </p:txBody>
       </p:sp>
@@ -4052,6 +4885,29 @@
           </a:p>
         </p:txBody>
       </p:sp>
+      <p:sp>
+        <p:nvSpPr>
+          <p:cNvPr id="4" name="Marcador de número de diapositiva 3"/>
+          <p:cNvSpPr>
+            <a:spLocks noGrp="1"/>
+          </p:cNvSpPr>
+          <p:nvPr>
+            <p:ph type="sldNum" sz="quarter" idx="12"/>
+          </p:nvPr>
+        </p:nvSpPr>
+        <p:spPr/>
+        <p:txBody>
+          <a:bodyPr/>
+          <a:lstStyle/>
+          <a:p>
+            <a:fld id="{DF12210C-BA06-44B1-AAF1-AB46D6EE0EE9}" type="slidenum">
+              <a:rPr lang="en-GB" smtClean="0"/>
+              <a:t>3</a:t>
+            </a:fld>
+            <a:endParaRPr lang="en-GB" dirty="0"/>
+          </a:p>
+        </p:txBody>
+      </p:sp>
     </p:spTree>
     <p:extLst>
       <p:ext uri="{BB962C8B-B14F-4D97-AF65-F5344CB8AC3E}">
@@ -4139,6 +4995,29 @@
           </a:p>
         </p:txBody>
       </p:sp>
+      <p:sp>
+        <p:nvSpPr>
+          <p:cNvPr id="4" name="Marcador de número de diapositiva 3"/>
+          <p:cNvSpPr>
+            <a:spLocks noGrp="1"/>
+          </p:cNvSpPr>
+          <p:nvPr>
+            <p:ph type="sldNum" sz="quarter" idx="12"/>
+          </p:nvPr>
+        </p:nvSpPr>
+        <p:spPr/>
+        <p:txBody>
+          <a:bodyPr/>
+          <a:lstStyle/>
+          <a:p>
+            <a:fld id="{DF12210C-BA06-44B1-AAF1-AB46D6EE0EE9}" type="slidenum">
+              <a:rPr lang="en-GB" smtClean="0"/>
+              <a:t>4</a:t>
+            </a:fld>
+            <a:endParaRPr lang="en-GB" dirty="0"/>
+          </a:p>
+        </p:txBody>
+      </p:sp>
     </p:spTree>
     <p:extLst>
       <p:ext uri="{BB962C8B-B14F-4D97-AF65-F5344CB8AC3E}">
@@ -4234,6 +5113,29 @@
           </a:p>
         </p:txBody>
       </p:sp>
+      <p:sp>
+        <p:nvSpPr>
+          <p:cNvPr id="4" name="Marcador de número de diapositiva 3"/>
+          <p:cNvSpPr>
+            <a:spLocks noGrp="1"/>
+          </p:cNvSpPr>
+          <p:nvPr>
+            <p:ph type="sldNum" sz="quarter" idx="12"/>
+          </p:nvPr>
+        </p:nvSpPr>
+        <p:spPr/>
+        <p:txBody>
+          <a:bodyPr/>
+          <a:lstStyle/>
+          <a:p>
+            <a:fld id="{DF12210C-BA06-44B1-AAF1-AB46D6EE0EE9}" type="slidenum">
+              <a:rPr lang="en-GB" smtClean="0"/>
+              <a:t>5</a:t>
+            </a:fld>
+            <a:endParaRPr lang="en-GB" dirty="0"/>
+          </a:p>
+        </p:txBody>
+      </p:sp>
     </p:spTree>
     <p:extLst>
       <p:ext uri="{BB962C8B-B14F-4D97-AF65-F5344CB8AC3E}">
@@ -4317,6 +5219,29 @@
           </a:p>
         </p:txBody>
       </p:sp>
+      <p:sp>
+        <p:nvSpPr>
+          <p:cNvPr id="4" name="Marcador de número de diapositiva 3"/>
+          <p:cNvSpPr>
+            <a:spLocks noGrp="1"/>
+          </p:cNvSpPr>
+          <p:nvPr>
+            <p:ph type="sldNum" sz="quarter" idx="12"/>
+          </p:nvPr>
+        </p:nvSpPr>
+        <p:spPr/>
+        <p:txBody>
+          <a:bodyPr/>
+          <a:lstStyle/>
+          <a:p>
+            <a:fld id="{DF12210C-BA06-44B1-AAF1-AB46D6EE0EE9}" type="slidenum">
+              <a:rPr lang="en-GB" smtClean="0"/>
+              <a:t>6</a:t>
+            </a:fld>
+            <a:endParaRPr lang="en-GB" dirty="0"/>
+          </a:p>
+        </p:txBody>
+      </p:sp>
     </p:spTree>
     <p:extLst>
       <p:ext uri="{BB962C8B-B14F-4D97-AF65-F5344CB8AC3E}">
@@ -4396,6 +5321,29 @@
           </a:p>
         </p:txBody>
       </p:sp>
+      <p:sp>
+        <p:nvSpPr>
+          <p:cNvPr id="4" name="Marcador de número de diapositiva 3"/>
+          <p:cNvSpPr>
+            <a:spLocks noGrp="1"/>
+          </p:cNvSpPr>
+          <p:nvPr>
+            <p:ph type="sldNum" sz="quarter" idx="12"/>
+          </p:nvPr>
+        </p:nvSpPr>
+        <p:spPr/>
+        <p:txBody>
+          <a:bodyPr/>
+          <a:lstStyle/>
+          <a:p>
+            <a:fld id="{DF12210C-BA06-44B1-AAF1-AB46D6EE0EE9}" type="slidenum">
+              <a:rPr lang="en-GB" smtClean="0"/>
+              <a:t>7</a:t>
+            </a:fld>
+            <a:endParaRPr lang="en-GB" dirty="0"/>
+          </a:p>
+        </p:txBody>
+      </p:sp>
     </p:spTree>
     <p:extLst>
       <p:ext uri="{BB962C8B-B14F-4D97-AF65-F5344CB8AC3E}">
@@ -4487,6 +5435,29 @@
           </a:p>
         </p:txBody>
       </p:sp>
+      <p:sp>
+        <p:nvSpPr>
+          <p:cNvPr id="4" name="Marcador de número de diapositiva 3"/>
+          <p:cNvSpPr>
+            <a:spLocks noGrp="1"/>
+          </p:cNvSpPr>
+          <p:nvPr>
+            <p:ph type="sldNum" sz="quarter" idx="12"/>
+          </p:nvPr>
+        </p:nvSpPr>
+        <p:spPr/>
+        <p:txBody>
+          <a:bodyPr/>
+          <a:lstStyle/>
+          <a:p>
+            <a:fld id="{DF12210C-BA06-44B1-AAF1-AB46D6EE0EE9}" type="slidenum">
+              <a:rPr lang="en-GB" smtClean="0"/>
+              <a:t>8</a:t>
+            </a:fld>
+            <a:endParaRPr lang="en-GB" dirty="0"/>
+          </a:p>
+        </p:txBody>
+      </p:sp>
     </p:spTree>
     <p:extLst>
       <p:ext uri="{BB962C8B-B14F-4D97-AF65-F5344CB8AC3E}">
@@ -4571,6 +5542,29 @@
           <a:lstStyle/>
           <a:p>
             <a:endParaRPr lang="en-GB"/>
+          </a:p>
+        </p:txBody>
+      </p:sp>
+      <p:sp>
+        <p:nvSpPr>
+          <p:cNvPr id="4" name="Marcador de número de diapositiva 3"/>
+          <p:cNvSpPr>
+            <a:spLocks noGrp="1"/>
+          </p:cNvSpPr>
+          <p:nvPr>
+            <p:ph type="sldNum" sz="quarter" idx="12"/>
+          </p:nvPr>
+        </p:nvSpPr>
+        <p:spPr/>
+        <p:txBody>
+          <a:bodyPr/>
+          <a:lstStyle/>
+          <a:p>
+            <a:fld id="{DF12210C-BA06-44B1-AAF1-AB46D6EE0EE9}" type="slidenum">
+              <a:rPr lang="en-GB" smtClean="0"/>
+              <a:t>9</a:t>
+            </a:fld>
+            <a:endParaRPr lang="en-GB" dirty="0"/>
           </a:p>
         </p:txBody>
       </p:sp>
@@ -4853,4 +5847,265 @@
     </a:ext>
   </a:extLst>
 </a:theme>
+</file>
+
+<file path=ppt/theme/theme2.xml><?xml version="1.0" encoding="utf-8"?>
+<a:theme xmlns:a="http://schemas.openxmlformats.org/drawingml/2006/main" name="Tema de Office">
+  <a:themeElements>
+    <a:clrScheme name="Office">
+      <a:dk1>
+        <a:sysClr val="windowText" lastClr="000000"/>
+      </a:dk1>
+      <a:lt1>
+        <a:sysClr val="window" lastClr="FFFFFF"/>
+      </a:lt1>
+      <a:dk2>
+        <a:srgbClr val="44546A"/>
+      </a:dk2>
+      <a:lt2>
+        <a:srgbClr val="E7E6E6"/>
+      </a:lt2>
+      <a:accent1>
+        <a:srgbClr val="5B9BD5"/>
+      </a:accent1>
+      <a:accent2>
+        <a:srgbClr val="ED7D31"/>
+      </a:accent2>
+      <a:accent3>
+        <a:srgbClr val="A5A5A5"/>
+      </a:accent3>
+      <a:accent4>
+        <a:srgbClr val="FFC000"/>
+      </a:accent4>
+      <a:accent5>
+        <a:srgbClr val="4472C4"/>
+      </a:accent5>
+      <a:accent6>
+        <a:srgbClr val="70AD47"/>
+      </a:accent6>
+      <a:hlink>
+        <a:srgbClr val="0563C1"/>
+      </a:hlink>
+      <a:folHlink>
+        <a:srgbClr val="954F72"/>
+      </a:folHlink>
+    </a:clrScheme>
+    <a:fontScheme name="Office">
+      <a:majorFont>
+        <a:latin typeface="Calibri Light" panose="020F0302020204030204"/>
+        <a:ea typeface=""/>
+        <a:cs typeface=""/>
+        <a:font script="Jpan" typeface="游ゴシック Light"/>
+        <a:font script="Hang" typeface="맑은 고딕"/>
+        <a:font script="Hans" typeface="等线 Light"/>
+        <a:font script="Hant" typeface="新細明體"/>
+        <a:font script="Arab" typeface="Times New Roman"/>
+        <a:font script="Hebr" typeface="Times New Roman"/>
+        <a:font script="Thai" typeface="Angsana New"/>
+        <a:font script="Ethi" typeface="Nyala"/>
+        <a:font script="Beng" typeface="Vrinda"/>
+        <a:font script="Gujr" typeface="Shruti"/>
+        <a:font script="Khmr" typeface="MoolBoran"/>
+        <a:font script="Knda" typeface="Tunga"/>
+        <a:font script="Guru" typeface="Raavi"/>
+        <a:font script="Cans" typeface="Euphemia"/>
+        <a:font script="Cher" typeface="Plantagenet Cherokee"/>
+        <a:font script="Yiii" typeface="Microsoft Yi Baiti"/>
+        <a:font script="Tibt" typeface="Microsoft Himalaya"/>
+        <a:font script="Thaa" typeface="MV Boli"/>
+        <a:font script="Deva" typeface="Mangal"/>
+        <a:font script="Telu" typeface="Gautami"/>
+        <a:font script="Taml" typeface="Latha"/>
+        <a:font script="Syrc" typeface="Estrangelo Edessa"/>
+        <a:font script="Orya" typeface="Kalinga"/>
+        <a:font script="Mlym" typeface="Kartika"/>
+        <a:font script="Laoo" typeface="DokChampa"/>
+        <a:font script="Sinh" typeface="Iskoola Pota"/>
+        <a:font script="Mong" typeface="Mongolian Baiti"/>
+        <a:font script="Viet" typeface="Times New Roman"/>
+        <a:font script="Uigh" typeface="Microsoft Uighur"/>
+        <a:font script="Geor" typeface="Sylfaen"/>
+      </a:majorFont>
+      <a:minorFont>
+        <a:latin typeface="Calibri" panose="020F0502020204030204"/>
+        <a:ea typeface=""/>
+        <a:cs typeface=""/>
+        <a:font script="Jpan" typeface="游ゴシック"/>
+        <a:font script="Hang" typeface="맑은 고딕"/>
+        <a:font script="Hans" typeface="等线"/>
+        <a:font script="Hant" typeface="新細明體"/>
+        <a:font script="Arab" typeface="Arial"/>
+        <a:font script="Hebr" typeface="Arial"/>
+        <a:font script="Thai" typeface="Cordia New"/>
+        <a:font script="Ethi" typeface="Nyala"/>
+        <a:font script="Beng" typeface="Vrinda"/>
+        <a:font script="Gujr" typeface="Shruti"/>
+        <a:font script="Khmr" typeface="DaunPenh"/>
+        <a:font script="Knda" typeface="Tunga"/>
+        <a:font script="Guru" typeface="Raavi"/>
+        <a:font script="Cans" typeface="Euphemia"/>
+        <a:font script="Cher" typeface="Plantagenet Cherokee"/>
+        <a:font script="Yiii" typeface="Microsoft Yi Baiti"/>
+        <a:font script="Tibt" typeface="Microsoft Himalaya"/>
+        <a:font script="Thaa" typeface="MV Boli"/>
+        <a:font script="Deva" typeface="Mangal"/>
+        <a:font script="Telu" typeface="Gautami"/>
+        <a:font script="Taml" typeface="Latha"/>
+        <a:font script="Syrc" typeface="Estrangelo Edessa"/>
+        <a:font script="Orya" typeface="Kalinga"/>
+        <a:font script="Mlym" typeface="Kartika"/>
+        <a:font script="Laoo" typeface="DokChampa"/>
+        <a:font script="Sinh" typeface="Iskoola Pota"/>
+        <a:font script="Mong" typeface="Mongolian Baiti"/>
+        <a:font script="Viet" typeface="Arial"/>
+        <a:font script="Uigh" typeface="Microsoft Uighur"/>
+        <a:font script="Geor" typeface="Sylfaen"/>
+      </a:minorFont>
+    </a:fontScheme>
+    <a:fmtScheme name="Office">
+      <a:fillStyleLst>
+        <a:solidFill>
+          <a:schemeClr val="phClr"/>
+        </a:solidFill>
+        <a:gradFill rotWithShape="1">
+          <a:gsLst>
+            <a:gs pos="0">
+              <a:schemeClr val="phClr">
+                <a:lumMod val="110000"/>
+                <a:satMod val="105000"/>
+                <a:tint val="67000"/>
+              </a:schemeClr>
+            </a:gs>
+            <a:gs pos="50000">
+              <a:schemeClr val="phClr">
+                <a:lumMod val="105000"/>
+                <a:satMod val="103000"/>
+                <a:tint val="73000"/>
+              </a:schemeClr>
+            </a:gs>
+            <a:gs pos="100000">
+              <a:schemeClr val="phClr">
+                <a:lumMod val="105000"/>
+                <a:satMod val="109000"/>
+                <a:tint val="81000"/>
+              </a:schemeClr>
+            </a:gs>
+          </a:gsLst>
+          <a:lin ang="5400000" scaled="0"/>
+        </a:gradFill>
+        <a:gradFill rotWithShape="1">
+          <a:gsLst>
+            <a:gs pos="0">
+              <a:schemeClr val="phClr">
+                <a:satMod val="103000"/>
+                <a:lumMod val="102000"/>
+                <a:tint val="94000"/>
+              </a:schemeClr>
+            </a:gs>
+            <a:gs pos="50000">
+              <a:schemeClr val="phClr">
+                <a:satMod val="110000"/>
+                <a:lumMod val="100000"/>
+                <a:shade val="100000"/>
+              </a:schemeClr>
+            </a:gs>
+            <a:gs pos="100000">
+              <a:schemeClr val="phClr">
+                <a:lumMod val="99000"/>
+                <a:satMod val="120000"/>
+                <a:shade val="78000"/>
+              </a:schemeClr>
+            </a:gs>
+          </a:gsLst>
+          <a:lin ang="5400000" scaled="0"/>
+        </a:gradFill>
+      </a:fillStyleLst>
+      <a:lnStyleLst>
+        <a:ln w="6350" cap="flat" cmpd="sng" algn="ctr">
+          <a:solidFill>
+            <a:schemeClr val="phClr"/>
+          </a:solidFill>
+          <a:prstDash val="solid"/>
+          <a:miter lim="800000"/>
+        </a:ln>
+        <a:ln w="12700" cap="flat" cmpd="sng" algn="ctr">
+          <a:solidFill>
+            <a:schemeClr val="phClr"/>
+          </a:solidFill>
+          <a:prstDash val="solid"/>
+          <a:miter lim="800000"/>
+        </a:ln>
+        <a:ln w="19050" cap="flat" cmpd="sng" algn="ctr">
+          <a:solidFill>
+            <a:schemeClr val="phClr"/>
+          </a:solidFill>
+          <a:prstDash val="solid"/>
+          <a:miter lim="800000"/>
+        </a:ln>
+      </a:lnStyleLst>
+      <a:effectStyleLst>
+        <a:effectStyle>
+          <a:effectLst/>
+        </a:effectStyle>
+        <a:effectStyle>
+          <a:effectLst/>
+        </a:effectStyle>
+        <a:effectStyle>
+          <a:effectLst>
+            <a:outerShdw blurRad="57150" dist="19050" dir="5400000" algn="ctr" rotWithShape="0">
+              <a:srgbClr val="000000">
+                <a:alpha val="63000"/>
+              </a:srgbClr>
+            </a:outerShdw>
+          </a:effectLst>
+        </a:effectStyle>
+      </a:effectStyleLst>
+      <a:bgFillStyleLst>
+        <a:solidFill>
+          <a:schemeClr val="phClr"/>
+        </a:solidFill>
+        <a:solidFill>
+          <a:schemeClr val="phClr">
+            <a:tint val="95000"/>
+            <a:satMod val="170000"/>
+          </a:schemeClr>
+        </a:solidFill>
+        <a:gradFill rotWithShape="1">
+          <a:gsLst>
+            <a:gs pos="0">
+              <a:schemeClr val="phClr">
+                <a:tint val="93000"/>
+                <a:satMod val="150000"/>
+                <a:shade val="98000"/>
+                <a:lumMod val="102000"/>
+              </a:schemeClr>
+            </a:gs>
+            <a:gs pos="50000">
+              <a:schemeClr val="phClr">
+                <a:tint val="98000"/>
+                <a:satMod val="130000"/>
+                <a:shade val="90000"/>
+                <a:lumMod val="103000"/>
+              </a:schemeClr>
+            </a:gs>
+            <a:gs pos="100000">
+              <a:schemeClr val="phClr">
+                <a:shade val="63000"/>
+                <a:satMod val="120000"/>
+              </a:schemeClr>
+            </a:gs>
+          </a:gsLst>
+          <a:lin ang="5400000" scaled="0"/>
+        </a:gradFill>
+      </a:bgFillStyleLst>
+    </a:fmtScheme>
+  </a:themeElements>
+  <a:objectDefaults/>
+  <a:extraClrSchemeLst/>
+  <a:extLst>
+    <a:ext uri="{05A4C25C-085E-4340-85A3-A5531E510DB2}">
+      <thm15:themeFamily xmlns:thm15="http://schemas.microsoft.com/office/thememl/2012/main" name="Office Theme" id="{62F939B6-93AF-4DB8-9C6B-D6C7DFDC589F}" vid="{4A3C46E8-61CC-4603-A589-7422A47A8E4A}"/>
+    </a:ext>
+  </a:extLst>
+</a:theme>
 </file>